--- a/Sliders/E-Portfolio_Sass.pptx
+++ b/Sliders/E-Portfolio_Sass.pptx
@@ -5,7 +5,7 @@
     <p:sldMasterId id="2147483764" r:id="rId1"/>
   </p:sldMasterIdLst>
   <p:notesMasterIdLst>
-    <p:notesMasterId r:id="rId16"/>
+    <p:notesMasterId r:id="rId17"/>
   </p:notesMasterIdLst>
   <p:sldIdLst>
     <p:sldId id="256" r:id="rId2"/>
@@ -22,6 +22,7 @@
     <p:sldId id="268" r:id="rId13"/>
     <p:sldId id="269" r:id="rId14"/>
     <p:sldId id="270" r:id="rId15"/>
+    <p:sldId id="272" r:id="rId16"/>
   </p:sldIdLst>
   <p:sldSz cx="12192000" cy="6858000"/>
   <p:notesSz cx="6858000" cy="9144000"/>
@@ -120,6 +121,11 @@
       </a:defRPr>
     </a:lvl9pPr>
   </p:defaultTextStyle>
+  <p:extLst>
+    <p:ext uri="{EFAFB233-063F-42B5-8137-9DF3F51BA10A}">
+      <p15:sldGuideLst xmlns:p15="http://schemas.microsoft.com/office/powerpoint/2012/main"/>
+    </p:ext>
+  </p:extLst>
 </p:presentation>
 </file>
 
@@ -205,7 +211,7 @@
           <a:p>
             <a:fld id="{80237286-09FE-4B04-B886-919E0B4C0CEA}" type="datetimeFigureOut">
               <a:rPr lang="de-DE" smtClean="0"/>
-              <a:t>11.05.2018</a:t>
+              <a:t>18.05.2018</a:t>
             </a:fld>
             <a:endParaRPr lang="de-DE"/>
           </a:p>
@@ -6886,10 +6892,10 @@
       </p:sp>
       <p:sp>
         <p:nvSpPr>
-          <p:cNvPr id="3" name="Textplatzhalter 2">
+          <p:cNvPr id="12" name="Inhaltsplatzhalter 11">
             <a:extLst>
               <a:ext uri="{FF2B5EF4-FFF2-40B4-BE49-F238E27FC236}">
-                <a16:creationId xmlns:a16="http://schemas.microsoft.com/office/drawing/2014/main" id="{C207178E-48D6-43A8-BD9E-05E23915A6AD}"/>
+                <a16:creationId xmlns:a16="http://schemas.microsoft.com/office/drawing/2014/main" id="{4687C441-7672-4D1F-A222-1DEADA0FC3FA}"/>
               </a:ext>
             </a:extLst>
           </p:cNvPr>
@@ -6897,138 +6903,53 @@
             <a:spLocks noGrp="1"/>
           </p:cNvSpPr>
           <p:nvPr>
-            <p:ph type="body" idx="1"/>
-          </p:nvPr>
-        </p:nvSpPr>
-        <p:spPr/>
-        <p:txBody>
-          <a:bodyPr/>
-          <a:lstStyle/>
-          <a:p>
+            <p:ph idx="1"/>
+          </p:nvPr>
+        </p:nvSpPr>
+        <p:spPr/>
+        <p:txBody>
+          <a:bodyPr/>
+          <a:lstStyle/>
+          <a:p>
+            <a:pPr marL="0" indent="0">
+              <a:buNone/>
+            </a:pPr>
+            <a:r>
+              <a:rPr lang="en-US" dirty="0"/>
+              <a:t>Extends Sass to include functions such as:</a:t>
+            </a:r>
+          </a:p>
+          <a:p>
+            <a:pPr marL="0" indent="0">
+              <a:buNone/>
+            </a:pPr>
+            <a:endParaRPr lang="en-US" dirty="0"/>
+          </a:p>
+          <a:p>
+            <a:r>
+              <a:rPr lang="en-US" dirty="0"/>
+              <a:t>basic arithmetic operations</a:t>
+            </a:r>
+          </a:p>
+          <a:p>
+            <a:r>
+              <a:rPr lang="en-US" dirty="0"/>
+              <a:t>Methods for manipulating color values</a:t>
+            </a:r>
+          </a:p>
+          <a:p>
+            <a:r>
+              <a:rPr lang="en-US" dirty="0"/>
+              <a:t>Loop constructs (for, each, while)</a:t>
+            </a:r>
+          </a:p>
+          <a:p>
+            <a:r>
+              <a:rPr lang="en-US" dirty="0"/>
+              <a:t>Case distinctions (if, else)</a:t>
+            </a:r>
             <a:endParaRPr lang="de-DE" dirty="0"/>
           </a:p>
-        </p:txBody>
-      </p:sp>
-      <p:sp>
-        <p:nvSpPr>
-          <p:cNvPr id="4" name="Textplatzhalter 3">
-            <a:extLst>
-              <a:ext uri="{FF2B5EF4-FFF2-40B4-BE49-F238E27FC236}">
-                <a16:creationId xmlns:a16="http://schemas.microsoft.com/office/drawing/2014/main" id="{C6AB1B38-E37E-47EF-B0E8-90BE7BD578A4}"/>
-              </a:ext>
-            </a:extLst>
-          </p:cNvPr>
-          <p:cNvSpPr>
-            <a:spLocks noGrp="1"/>
-          </p:cNvSpPr>
-          <p:nvPr>
-            <p:ph type="body" sz="half" idx="15"/>
-          </p:nvPr>
-        </p:nvSpPr>
-        <p:spPr/>
-        <p:txBody>
-          <a:bodyPr/>
-          <a:lstStyle/>
-          <a:p>
-            <a:endParaRPr lang="de-DE" dirty="0"/>
-          </a:p>
-        </p:txBody>
-      </p:sp>
-      <p:sp>
-        <p:nvSpPr>
-          <p:cNvPr id="5" name="Textplatzhalter 4">
-            <a:extLst>
-              <a:ext uri="{FF2B5EF4-FFF2-40B4-BE49-F238E27FC236}">
-                <a16:creationId xmlns:a16="http://schemas.microsoft.com/office/drawing/2014/main" id="{AE6B1200-679C-48E2-9421-0D892130DF11}"/>
-              </a:ext>
-            </a:extLst>
-          </p:cNvPr>
-          <p:cNvSpPr>
-            <a:spLocks noGrp="1"/>
-          </p:cNvSpPr>
-          <p:nvPr>
-            <p:ph type="body" sz="quarter" idx="3"/>
-          </p:nvPr>
-        </p:nvSpPr>
-        <p:spPr/>
-        <p:txBody>
-          <a:bodyPr/>
-          <a:lstStyle/>
-          <a:p>
-            <a:endParaRPr lang="de-DE"/>
-          </a:p>
-        </p:txBody>
-      </p:sp>
-      <p:sp>
-        <p:nvSpPr>
-          <p:cNvPr id="6" name="Textplatzhalter 5">
-            <a:extLst>
-              <a:ext uri="{FF2B5EF4-FFF2-40B4-BE49-F238E27FC236}">
-                <a16:creationId xmlns:a16="http://schemas.microsoft.com/office/drawing/2014/main" id="{902FB31D-49BF-4327-9A78-2F1D56C6F845}"/>
-              </a:ext>
-            </a:extLst>
-          </p:cNvPr>
-          <p:cNvSpPr>
-            <a:spLocks noGrp="1"/>
-          </p:cNvSpPr>
-          <p:nvPr>
-            <p:ph type="body" sz="half" idx="16"/>
-          </p:nvPr>
-        </p:nvSpPr>
-        <p:spPr/>
-        <p:txBody>
-          <a:bodyPr/>
-          <a:lstStyle/>
-          <a:p>
-            <a:endParaRPr lang="de-DE" dirty="0"/>
-          </a:p>
-        </p:txBody>
-      </p:sp>
-      <p:sp>
-        <p:nvSpPr>
-          <p:cNvPr id="7" name="Textplatzhalter 6">
-            <a:extLst>
-              <a:ext uri="{FF2B5EF4-FFF2-40B4-BE49-F238E27FC236}">
-                <a16:creationId xmlns:a16="http://schemas.microsoft.com/office/drawing/2014/main" id="{E858FCE3-C567-401B-9F84-A06711E4764B}"/>
-              </a:ext>
-            </a:extLst>
-          </p:cNvPr>
-          <p:cNvSpPr>
-            <a:spLocks noGrp="1"/>
-          </p:cNvSpPr>
-          <p:nvPr>
-            <p:ph type="body" sz="quarter" idx="13"/>
-          </p:nvPr>
-        </p:nvSpPr>
-        <p:spPr/>
-        <p:txBody>
-          <a:bodyPr/>
-          <a:lstStyle/>
-          <a:p>
-            <a:endParaRPr lang="de-DE"/>
-          </a:p>
-        </p:txBody>
-      </p:sp>
-      <p:sp>
-        <p:nvSpPr>
-          <p:cNvPr id="8" name="Textplatzhalter 7">
-            <a:extLst>
-              <a:ext uri="{FF2B5EF4-FFF2-40B4-BE49-F238E27FC236}">
-                <a16:creationId xmlns:a16="http://schemas.microsoft.com/office/drawing/2014/main" id="{87A181FE-397B-4280-8DC1-5623B71125B6}"/>
-              </a:ext>
-            </a:extLst>
-          </p:cNvPr>
-          <p:cNvSpPr>
-            <a:spLocks noGrp="1"/>
-          </p:cNvSpPr>
-          <p:nvPr>
-            <p:ph type="body" sz="half" idx="17"/>
-          </p:nvPr>
-        </p:nvSpPr>
-        <p:spPr/>
-        <p:txBody>
-          <a:bodyPr/>
-          <a:lstStyle/>
           <a:p>
             <a:endParaRPr lang="de-DE" dirty="0"/>
           </a:p>
@@ -7827,6 +7748,186 @@
 </p:sld>
 </file>
 
+<file path=ppt/slides/slide15.xml><?xml version="1.0" encoding="utf-8"?>
+<p:sld xmlns:a="http://schemas.openxmlformats.org/drawingml/2006/main" xmlns:r="http://schemas.openxmlformats.org/officeDocument/2006/relationships" xmlns:p="http://schemas.openxmlformats.org/presentationml/2006/main">
+  <p:cSld>
+    <p:spTree>
+      <p:nvGrpSpPr>
+        <p:cNvPr id="1" name=""/>
+        <p:cNvGrpSpPr/>
+        <p:nvPr/>
+      </p:nvGrpSpPr>
+      <p:grpSpPr>
+        <a:xfrm>
+          <a:off x="0" y="0"/>
+          <a:ext cx="0" cy="0"/>
+          <a:chOff x="0" y="0"/>
+          <a:chExt cx="0" cy="0"/>
+        </a:xfrm>
+      </p:grpSpPr>
+      <p:sp>
+        <p:nvSpPr>
+          <p:cNvPr id="2" name="Titel 1">
+            <a:extLst>
+              <a:ext uri="{FF2B5EF4-FFF2-40B4-BE49-F238E27FC236}">
+                <a16:creationId xmlns:a16="http://schemas.microsoft.com/office/drawing/2014/main" id="{F2063219-3395-4DAD-B2E0-2B8BBB0DFE33}"/>
+              </a:ext>
+            </a:extLst>
+          </p:cNvPr>
+          <p:cNvSpPr>
+            <a:spLocks noGrp="1"/>
+          </p:cNvSpPr>
+          <p:nvPr>
+            <p:ph type="title"/>
+          </p:nvPr>
+        </p:nvSpPr>
+        <p:spPr/>
+        <p:txBody>
+          <a:bodyPr/>
+          <a:lstStyle/>
+          <a:p>
+            <a:r>
+              <a:rPr lang="de-DE" dirty="0"/>
+              <a:t>Hands-On</a:t>
+            </a:r>
+          </a:p>
+        </p:txBody>
+      </p:sp>
+      <p:sp>
+        <p:nvSpPr>
+          <p:cNvPr id="3" name="Untertitel 2">
+            <a:extLst>
+              <a:ext uri="{FF2B5EF4-FFF2-40B4-BE49-F238E27FC236}">
+                <a16:creationId xmlns:a16="http://schemas.microsoft.com/office/drawing/2014/main" id="{EB4CE8DC-18EB-4B61-B239-7DCF3D0F30F8}"/>
+              </a:ext>
+            </a:extLst>
+          </p:cNvPr>
+          <p:cNvSpPr>
+            <a:spLocks noGrp="1"/>
+          </p:cNvSpPr>
+          <p:nvPr>
+            <p:ph type="body" idx="1"/>
+          </p:nvPr>
+        </p:nvSpPr>
+        <p:spPr/>
+        <p:txBody>
+          <a:bodyPr/>
+          <a:lstStyle/>
+          <a:p>
+            <a:r>
+              <a:rPr lang="de-DE" dirty="0" err="1"/>
+              <a:t>Sass</a:t>
+            </a:r>
+            <a:r>
+              <a:rPr lang="de-DE" dirty="0"/>
+              <a:t> Tutorial</a:t>
+            </a:r>
+          </a:p>
+          <a:p>
+            <a:endParaRPr lang="de-DE" dirty="0"/>
+          </a:p>
+        </p:txBody>
+      </p:sp>
+      <p:sp>
+        <p:nvSpPr>
+          <p:cNvPr id="4" name="Datumsplatzhalter 3">
+            <a:extLst>
+              <a:ext uri="{FF2B5EF4-FFF2-40B4-BE49-F238E27FC236}">
+                <a16:creationId xmlns:a16="http://schemas.microsoft.com/office/drawing/2014/main" id="{D4B49D55-46AD-4603-BDCB-146EC9C9A5EB}"/>
+              </a:ext>
+            </a:extLst>
+          </p:cNvPr>
+          <p:cNvSpPr>
+            <a:spLocks noGrp="1"/>
+          </p:cNvSpPr>
+          <p:nvPr>
+            <p:ph type="dt" sz="half" idx="10"/>
+          </p:nvPr>
+        </p:nvSpPr>
+        <p:spPr/>
+        <p:txBody>
+          <a:bodyPr/>
+          <a:lstStyle/>
+          <a:p>
+            <a:r>
+              <a:rPr lang="en-US"/>
+              <a:t>23.05.2018</a:t>
+            </a:r>
+            <a:endParaRPr lang="en-US" dirty="0"/>
+          </a:p>
+        </p:txBody>
+      </p:sp>
+      <p:sp>
+        <p:nvSpPr>
+          <p:cNvPr id="5" name="Fußzeilenplatzhalter 4">
+            <a:extLst>
+              <a:ext uri="{FF2B5EF4-FFF2-40B4-BE49-F238E27FC236}">
+                <a16:creationId xmlns:a16="http://schemas.microsoft.com/office/drawing/2014/main" id="{786F2F43-54D8-4AA4-ACB4-C70559520220}"/>
+              </a:ext>
+            </a:extLst>
+          </p:cNvPr>
+          <p:cNvSpPr>
+            <a:spLocks noGrp="1"/>
+          </p:cNvSpPr>
+          <p:nvPr>
+            <p:ph type="ftr" sz="quarter" idx="11"/>
+          </p:nvPr>
+        </p:nvSpPr>
+        <p:spPr/>
+        <p:txBody>
+          <a:bodyPr/>
+          <a:lstStyle/>
+          <a:p>
+            <a:r>
+              <a:rPr lang="en-US"/>
+              <a:t>Lea Brock </a:t>
+            </a:r>
+            <a:endParaRPr lang="en-US" dirty="0"/>
+          </a:p>
+        </p:txBody>
+      </p:sp>
+      <p:sp>
+        <p:nvSpPr>
+          <p:cNvPr id="6" name="Foliennummernplatzhalter 5">
+            <a:extLst>
+              <a:ext uri="{FF2B5EF4-FFF2-40B4-BE49-F238E27FC236}">
+                <a16:creationId xmlns:a16="http://schemas.microsoft.com/office/drawing/2014/main" id="{FBD81235-228D-4D28-A9B5-B2AD5AE0654C}"/>
+              </a:ext>
+            </a:extLst>
+          </p:cNvPr>
+          <p:cNvSpPr>
+            <a:spLocks noGrp="1"/>
+          </p:cNvSpPr>
+          <p:nvPr>
+            <p:ph type="sldNum" sz="quarter" idx="12"/>
+          </p:nvPr>
+        </p:nvSpPr>
+        <p:spPr/>
+        <p:txBody>
+          <a:bodyPr/>
+          <a:lstStyle/>
+          <a:p>
+            <a:fld id="{6D22F896-40B5-4ADD-8801-0D06FADFA095}" type="slidenum">
+              <a:rPr lang="en-US" smtClean="0"/>
+              <a:t>15</a:t>
+            </a:fld>
+            <a:endParaRPr lang="en-US" dirty="0"/>
+          </a:p>
+        </p:txBody>
+      </p:sp>
+    </p:spTree>
+    <p:extLst>
+      <p:ext uri="{BB962C8B-B14F-4D97-AF65-F5344CB8AC3E}">
+        <p14:creationId xmlns:p14="http://schemas.microsoft.com/office/powerpoint/2010/main" val="4229665472"/>
+      </p:ext>
+    </p:extLst>
+  </p:cSld>
+  <p:clrMapOvr>
+    <a:masterClrMapping/>
+  </p:clrMapOvr>
+</p:sld>
+</file>
+
 <file path=ppt/slides/slide2.xml><?xml version="1.0" encoding="utf-8"?>
 <p:sld xmlns:a="http://schemas.openxmlformats.org/drawingml/2006/main" xmlns:r="http://schemas.openxmlformats.org/officeDocument/2006/relationships" xmlns:p="http://schemas.openxmlformats.org/presentationml/2006/main">
   <p:cSld>
@@ -8235,6 +8336,26 @@
             </a:r>
           </a:p>
           <a:p>
+            <a:pPr marL="0" lvl="0" indent="0">
+              <a:buSzPct val="45000"/>
+              <a:buNone/>
+            </a:pPr>
+            <a:r>
+              <a:rPr lang="de-DE" dirty="0"/>
+              <a:t>	</a:t>
+            </a:r>
+            <a:r>
+              <a:rPr lang="de-DE" dirty="0">
+                <a:sym typeface="Wingdings" panose="05000000000000000000" pitchFamily="2" charset="2"/>
+              </a:rPr>
+              <a:t> </a:t>
+            </a:r>
+            <a:r>
+              <a:rPr lang="de-DE" dirty="0"/>
+              <a:t>Create a CSS-File</a:t>
+            </a:r>
+          </a:p>
+          <a:p>
             <a:pPr lvl="0">
               <a:buSzPct val="45000"/>
               <a:buFont typeface="StarSymbol"/>
@@ -8242,8 +8363,13 @@
             </a:pPr>
             <a:r>
               <a:rPr lang="de-DE" dirty="0"/>
-              <a:t>Create a CSS-File</a:t>
-            </a:r>
+              <a:t>Open-Source </a:t>
+            </a:r>
+            <a:r>
+              <a:rPr lang="de-DE" dirty="0" err="1"/>
+              <a:t>program</a:t>
+            </a:r>
+            <a:endParaRPr lang="de-DE" dirty="0"/>
           </a:p>
           <a:p>
             <a:pPr lvl="0">
@@ -8252,14 +8378,21 @@
               <a:buChar char="●"/>
             </a:pPr>
             <a:r>
+              <a:rPr lang="de-DE" dirty="0" err="1"/>
+              <a:t>Programmed</a:t>
+            </a:r>
+            <a:r>
               <a:rPr lang="de-DE" dirty="0"/>
-              <a:t>Open-Source </a:t>
+              <a:t> </a:t>
             </a:r>
             <a:r>
               <a:rPr lang="de-DE" dirty="0" err="1"/>
-              <a:t>programm</a:t>
-            </a:r>
-            <a:endParaRPr lang="de-DE" dirty="0"/>
+              <a:t>with</a:t>
+            </a:r>
+            <a:r>
+              <a:rPr lang="de-DE" dirty="0"/>
+              <a:t> Ruby</a:t>
+            </a:r>
           </a:p>
         </p:txBody>
       </p:sp>
@@ -8604,7 +8737,7 @@
               <a:rPr lang="de-DE" dirty="0">
                 <a:latin typeface="Source Sans Pro ExtraLight" pitchFamily="34"/>
               </a:rPr>
-              <a:t>SCCS-Syntax (.</a:t>
+              <a:t>SCSS-Syntax (.</a:t>
             </a:r>
             <a:r>
               <a:rPr lang="de-DE" dirty="0" err="1">

--- a/Sliders/E-Portfolio_Sass.pptx
+++ b/Sliders/E-Portfolio_Sass.pptx
@@ -211,7 +211,7 @@
           <a:p>
             <a:fld id="{80237286-09FE-4B04-B886-919E0B4C0CEA}" type="datetimeFigureOut">
               <a:rPr lang="de-DE" smtClean="0"/>
-              <a:t>18.05.2018</a:t>
+              <a:t>22.05.2018</a:t>
             </a:fld>
             <a:endParaRPr lang="de-DE"/>
           </a:p>
@@ -6303,6 +6303,36 @@
           </a:p>
         </p:txBody>
       </p:sp>
+      <p:pic>
+        <p:nvPicPr>
+          <p:cNvPr id="4" name="Grafik 3">
+            <a:extLst>
+              <a:ext uri="{FF2B5EF4-FFF2-40B4-BE49-F238E27FC236}">
+                <a16:creationId xmlns:a16="http://schemas.microsoft.com/office/drawing/2014/main" id="{CE15178D-6738-4F1A-8409-BEDE941A1287}"/>
+              </a:ext>
+            </a:extLst>
+          </p:cNvPr>
+          <p:cNvPicPr>
+            <a:picLocks noChangeAspect="1"/>
+          </p:cNvPicPr>
+          <p:nvPr/>
+        </p:nvPicPr>
+        <p:blipFill>
+          <a:blip r:embed="rId2"/>
+          <a:stretch>
+            <a:fillRect/>
+          </a:stretch>
+        </p:blipFill>
+        <p:spPr>
+          <a:xfrm>
+            <a:off x="11506200" y="6298787"/>
+            <a:ext cx="638986" cy="479239"/>
+          </a:xfrm>
+          <a:prstGeom prst="rect">
+            <a:avLst/>
+          </a:prstGeom>
+        </p:spPr>
+      </p:pic>
     </p:spTree>
     <p:extLst>
       <p:ext uri="{BB962C8B-B14F-4D97-AF65-F5344CB8AC3E}">
@@ -6822,6 +6852,36 @@
           </a:p>
         </p:txBody>
       </p:sp>
+      <p:pic>
+        <p:nvPicPr>
+          <p:cNvPr id="19" name="Grafik 18">
+            <a:extLst>
+              <a:ext uri="{FF2B5EF4-FFF2-40B4-BE49-F238E27FC236}">
+                <a16:creationId xmlns:a16="http://schemas.microsoft.com/office/drawing/2014/main" id="{656FEE32-1C44-4639-A296-401006392577}"/>
+              </a:ext>
+            </a:extLst>
+          </p:cNvPr>
+          <p:cNvPicPr>
+            <a:picLocks noChangeAspect="1"/>
+          </p:cNvPicPr>
+          <p:nvPr/>
+        </p:nvPicPr>
+        <p:blipFill>
+          <a:blip r:embed="rId4"/>
+          <a:stretch>
+            <a:fillRect/>
+          </a:stretch>
+        </p:blipFill>
+        <p:spPr>
+          <a:xfrm>
+            <a:off x="11506200" y="6298787"/>
+            <a:ext cx="638986" cy="479239"/>
+          </a:xfrm>
+          <a:prstGeom prst="rect">
+            <a:avLst/>
+          </a:prstGeom>
+        </p:spPr>
+      </p:pic>
     </p:spTree>
     <p:extLst>
       <p:ext uri="{BB962C8B-B14F-4D97-AF65-F5344CB8AC3E}">
@@ -7042,6 +7102,36 @@
           </a:p>
         </p:txBody>
       </p:sp>
+      <p:pic>
+        <p:nvPicPr>
+          <p:cNvPr id="7" name="Grafik 6">
+            <a:extLst>
+              <a:ext uri="{FF2B5EF4-FFF2-40B4-BE49-F238E27FC236}">
+                <a16:creationId xmlns:a16="http://schemas.microsoft.com/office/drawing/2014/main" id="{602774C8-B8A1-4F9D-BB09-0AE0AB7FEB14}"/>
+              </a:ext>
+            </a:extLst>
+          </p:cNvPr>
+          <p:cNvPicPr>
+            <a:picLocks noChangeAspect="1"/>
+          </p:cNvPicPr>
+          <p:nvPr/>
+        </p:nvPicPr>
+        <p:blipFill>
+          <a:blip r:embed="rId2"/>
+          <a:stretch>
+            <a:fillRect/>
+          </a:stretch>
+        </p:blipFill>
+        <p:spPr>
+          <a:xfrm>
+            <a:off x="11506200" y="6298787"/>
+            <a:ext cx="638986" cy="479239"/>
+          </a:xfrm>
+          <a:prstGeom prst="rect">
+            <a:avLst/>
+          </a:prstGeom>
+        </p:spPr>
+      </p:pic>
     </p:spTree>
     <p:extLst>
       <p:ext uri="{BB962C8B-B14F-4D97-AF65-F5344CB8AC3E}">
@@ -7212,6 +7302,36 @@
           </a:p>
         </p:txBody>
       </p:sp>
+      <p:pic>
+        <p:nvPicPr>
+          <p:cNvPr id="7" name="Grafik 6">
+            <a:extLst>
+              <a:ext uri="{FF2B5EF4-FFF2-40B4-BE49-F238E27FC236}">
+                <a16:creationId xmlns:a16="http://schemas.microsoft.com/office/drawing/2014/main" id="{7E9E0A06-2AB4-4DAC-9B10-754E1268086E}"/>
+              </a:ext>
+            </a:extLst>
+          </p:cNvPr>
+          <p:cNvPicPr>
+            <a:picLocks noChangeAspect="1"/>
+          </p:cNvPicPr>
+          <p:nvPr/>
+        </p:nvPicPr>
+        <p:blipFill>
+          <a:blip r:embed="rId2"/>
+          <a:stretch>
+            <a:fillRect/>
+          </a:stretch>
+        </p:blipFill>
+        <p:spPr>
+          <a:xfrm>
+            <a:off x="11506200" y="6298787"/>
+            <a:ext cx="638986" cy="479239"/>
+          </a:xfrm>
+          <a:prstGeom prst="rect">
+            <a:avLst/>
+          </a:prstGeom>
+        </p:spPr>
+      </p:pic>
     </p:spTree>
     <p:extLst>
       <p:ext uri="{BB962C8B-B14F-4D97-AF65-F5344CB8AC3E}">
@@ -7492,6 +7612,36 @@
           </a:p>
         </p:txBody>
       </p:sp>
+      <p:pic>
+        <p:nvPicPr>
+          <p:cNvPr id="7" name="Grafik 6">
+            <a:extLst>
+              <a:ext uri="{FF2B5EF4-FFF2-40B4-BE49-F238E27FC236}">
+                <a16:creationId xmlns:a16="http://schemas.microsoft.com/office/drawing/2014/main" id="{257DC522-491C-4EE9-BDE6-AE462F76665E}"/>
+              </a:ext>
+            </a:extLst>
+          </p:cNvPr>
+          <p:cNvPicPr>
+            <a:picLocks noChangeAspect="1"/>
+          </p:cNvPicPr>
+          <p:nvPr/>
+        </p:nvPicPr>
+        <p:blipFill>
+          <a:blip r:embed="rId2"/>
+          <a:stretch>
+            <a:fillRect/>
+          </a:stretch>
+        </p:blipFill>
+        <p:spPr>
+          <a:xfrm>
+            <a:off x="11506200" y="6298787"/>
+            <a:ext cx="638986" cy="479239"/>
+          </a:xfrm>
+          <a:prstGeom prst="rect">
+            <a:avLst/>
+          </a:prstGeom>
+        </p:spPr>
+      </p:pic>
     </p:spTree>
     <p:extLst>
       <p:ext uri="{BB962C8B-B14F-4D97-AF65-F5344CB8AC3E}">
@@ -7735,6 +7885,36 @@
           </a:p>
         </p:txBody>
       </p:sp>
+      <p:pic>
+        <p:nvPicPr>
+          <p:cNvPr id="7" name="Grafik 6">
+            <a:extLst>
+              <a:ext uri="{FF2B5EF4-FFF2-40B4-BE49-F238E27FC236}">
+                <a16:creationId xmlns:a16="http://schemas.microsoft.com/office/drawing/2014/main" id="{A06AC133-999F-4801-8797-5960DACAA9CB}"/>
+              </a:ext>
+            </a:extLst>
+          </p:cNvPr>
+          <p:cNvPicPr>
+            <a:picLocks noChangeAspect="1"/>
+          </p:cNvPicPr>
+          <p:nvPr/>
+        </p:nvPicPr>
+        <p:blipFill>
+          <a:blip r:embed="rId2"/>
+          <a:stretch>
+            <a:fillRect/>
+          </a:stretch>
+        </p:blipFill>
+        <p:spPr>
+          <a:xfrm>
+            <a:off x="11506200" y="6298787"/>
+            <a:ext cx="638986" cy="479239"/>
+          </a:xfrm>
+          <a:prstGeom prst="rect">
+            <a:avLst/>
+          </a:prstGeom>
+        </p:spPr>
+      </p:pic>
     </p:spTree>
     <p:extLst>
       <p:ext uri="{BB962C8B-B14F-4D97-AF65-F5344CB8AC3E}">
@@ -7915,6 +8095,36 @@
           </a:p>
         </p:txBody>
       </p:sp>
+      <p:pic>
+        <p:nvPicPr>
+          <p:cNvPr id="7" name="Grafik 6">
+            <a:extLst>
+              <a:ext uri="{FF2B5EF4-FFF2-40B4-BE49-F238E27FC236}">
+                <a16:creationId xmlns:a16="http://schemas.microsoft.com/office/drawing/2014/main" id="{16CAEEB2-A0CA-4957-BE21-57C6C55BFAAE}"/>
+              </a:ext>
+            </a:extLst>
+          </p:cNvPr>
+          <p:cNvPicPr>
+            <a:picLocks noChangeAspect="1"/>
+          </p:cNvPicPr>
+          <p:nvPr/>
+        </p:nvPicPr>
+        <p:blipFill>
+          <a:blip r:embed="rId2"/>
+          <a:stretch>
+            <a:fillRect/>
+          </a:stretch>
+        </p:blipFill>
+        <p:spPr>
+          <a:xfrm>
+            <a:off x="11506200" y="6298787"/>
+            <a:ext cx="638986" cy="479239"/>
+          </a:xfrm>
+          <a:prstGeom prst="rect">
+            <a:avLst/>
+          </a:prstGeom>
+        </p:spPr>
+      </p:pic>
     </p:spTree>
     <p:extLst>
       <p:ext uri="{BB962C8B-B14F-4D97-AF65-F5344CB8AC3E}">
@@ -8208,6 +8418,36 @@
           </a:p>
         </p:txBody>
       </p:sp>
+      <p:pic>
+        <p:nvPicPr>
+          <p:cNvPr id="9" name="Grafik 8">
+            <a:extLst>
+              <a:ext uri="{FF2B5EF4-FFF2-40B4-BE49-F238E27FC236}">
+                <a16:creationId xmlns:a16="http://schemas.microsoft.com/office/drawing/2014/main" id="{7E8B21A1-C035-479C-BEAB-A83F3AE347F1}"/>
+              </a:ext>
+            </a:extLst>
+          </p:cNvPr>
+          <p:cNvPicPr>
+            <a:picLocks noChangeAspect="1"/>
+          </p:cNvPicPr>
+          <p:nvPr/>
+        </p:nvPicPr>
+        <p:blipFill>
+          <a:blip r:embed="rId2"/>
+          <a:stretch>
+            <a:fillRect/>
+          </a:stretch>
+        </p:blipFill>
+        <p:spPr>
+          <a:xfrm>
+            <a:off x="11506200" y="6298787"/>
+            <a:ext cx="638986" cy="479239"/>
+          </a:xfrm>
+          <a:prstGeom prst="rect">
+            <a:avLst/>
+          </a:prstGeom>
+        </p:spPr>
+      </p:pic>
     </p:spTree>
     <p:extLst>
       <p:ext uri="{BB962C8B-B14F-4D97-AF65-F5344CB8AC3E}">
@@ -8319,41 +8559,14 @@
               <a:buChar char="●"/>
             </a:pPr>
             <a:r>
+              <a:rPr lang="de-DE" dirty="0"/>
+              <a:t>Stylesheet </a:t>
+            </a:r>
+            <a:r>
               <a:rPr lang="de-DE" dirty="0" err="1"/>
-              <a:t>Preprocessor</a:t>
-            </a:r>
-            <a:r>
-              <a:rPr lang="de-DE" dirty="0"/>
-              <a:t> </a:t>
-            </a:r>
-            <a:r>
-              <a:rPr lang="de-DE" dirty="0" err="1"/>
-              <a:t>of</a:t>
-            </a:r>
-            <a:r>
-              <a:rPr lang="de-DE" dirty="0"/>
-              <a:t> CSS</a:t>
-            </a:r>
-          </a:p>
-          <a:p>
-            <a:pPr marL="0" lvl="0" indent="0">
-              <a:buSzPct val="45000"/>
-              <a:buNone/>
-            </a:pPr>
-            <a:r>
-              <a:rPr lang="de-DE" dirty="0"/>
-              <a:t>	</a:t>
-            </a:r>
-            <a:r>
-              <a:rPr lang="de-DE" dirty="0">
-                <a:sym typeface="Wingdings" panose="05000000000000000000" pitchFamily="2" charset="2"/>
-              </a:rPr>
-              <a:t> </a:t>
-            </a:r>
-            <a:r>
-              <a:rPr lang="de-DE" dirty="0"/>
-              <a:t>Create a CSS-File</a:t>
-            </a:r>
+              <a:t>language</a:t>
+            </a:r>
+            <a:endParaRPr lang="de-DE" dirty="0"/>
           </a:p>
           <a:p>
             <a:pPr lvl="0">
@@ -8362,14 +8575,41 @@
               <a:buChar char="●"/>
             </a:pPr>
             <a:r>
+              <a:rPr lang="de-DE" dirty="0" err="1"/>
+              <a:t>Preprocessor</a:t>
+            </a:r>
+            <a:r>
               <a:rPr lang="de-DE" dirty="0"/>
-              <a:t>Open-Source </a:t>
+              <a:t> </a:t>
             </a:r>
             <a:r>
               <a:rPr lang="de-DE" dirty="0" err="1"/>
-              <a:t>program</a:t>
-            </a:r>
-            <a:endParaRPr lang="de-DE" dirty="0"/>
+              <a:t>of</a:t>
+            </a:r>
+            <a:r>
+              <a:rPr lang="de-DE" dirty="0"/>
+              <a:t> CSS</a:t>
+            </a:r>
+          </a:p>
+          <a:p>
+            <a:pPr marL="0" lvl="0" indent="0">
+              <a:buSzPct val="45000"/>
+              <a:buNone/>
+            </a:pPr>
+            <a:r>
+              <a:rPr lang="de-DE" dirty="0"/>
+              <a:t>	</a:t>
+            </a:r>
+            <a:r>
+              <a:rPr lang="de-DE" dirty="0">
+                <a:sym typeface="Wingdings" panose="05000000000000000000" pitchFamily="2" charset="2"/>
+              </a:rPr>
+              <a:t> </a:t>
+            </a:r>
+            <a:r>
+              <a:rPr lang="de-DE" dirty="0"/>
+              <a:t>Create a CSS-File</a:t>
+            </a:r>
           </a:p>
           <a:p>
             <a:pPr lvl="0">
@@ -8378,6 +8618,22 @@
               <a:buChar char="●"/>
             </a:pPr>
             <a:r>
+              <a:rPr lang="de-DE" dirty="0"/>
+              <a:t>Open-Source </a:t>
+            </a:r>
+            <a:r>
+              <a:rPr lang="de-DE" dirty="0" err="1"/>
+              <a:t>program</a:t>
+            </a:r>
+            <a:endParaRPr lang="de-DE" dirty="0"/>
+          </a:p>
+          <a:p>
+            <a:pPr lvl="0">
+              <a:buSzPct val="45000"/>
+              <a:buFont typeface="StarSymbol"/>
+              <a:buChar char="●"/>
+            </a:pPr>
+            <a:r>
               <a:rPr lang="de-DE" dirty="0" err="1"/>
               <a:t>Programmed</a:t>
             </a:r>
@@ -8483,6 +8739,36 @@
           </a:p>
         </p:txBody>
       </p:sp>
+      <p:pic>
+        <p:nvPicPr>
+          <p:cNvPr id="7" name="Grafik 6">
+            <a:extLst>
+              <a:ext uri="{FF2B5EF4-FFF2-40B4-BE49-F238E27FC236}">
+                <a16:creationId xmlns:a16="http://schemas.microsoft.com/office/drawing/2014/main" id="{40CC7557-06A6-45CF-8F27-AD99D410C950}"/>
+              </a:ext>
+            </a:extLst>
+          </p:cNvPr>
+          <p:cNvPicPr>
+            <a:picLocks noChangeAspect="1"/>
+          </p:cNvPicPr>
+          <p:nvPr/>
+        </p:nvPicPr>
+        <p:blipFill>
+          <a:blip r:embed="rId2"/>
+          <a:stretch>
+            <a:fillRect/>
+          </a:stretch>
+        </p:blipFill>
+        <p:spPr>
+          <a:xfrm>
+            <a:off x="11506200" y="6298787"/>
+            <a:ext cx="638986" cy="479239"/>
+          </a:xfrm>
+          <a:prstGeom prst="rect">
+            <a:avLst/>
+          </a:prstGeom>
+        </p:spPr>
+      </p:pic>
     </p:spTree>
     <p:extLst>
       <p:ext uri="{BB962C8B-B14F-4D97-AF65-F5344CB8AC3E}">
@@ -9028,6 +9314,36 @@
           </a:p>
         </p:txBody>
       </p:sp>
+      <p:pic>
+        <p:nvPicPr>
+          <p:cNvPr id="10" name="Grafik 9">
+            <a:extLst>
+              <a:ext uri="{FF2B5EF4-FFF2-40B4-BE49-F238E27FC236}">
+                <a16:creationId xmlns:a16="http://schemas.microsoft.com/office/drawing/2014/main" id="{C66004DE-C8B3-4DF6-BC3E-0278B8C90757}"/>
+              </a:ext>
+            </a:extLst>
+          </p:cNvPr>
+          <p:cNvPicPr>
+            <a:picLocks noChangeAspect="1"/>
+          </p:cNvPicPr>
+          <p:nvPr/>
+        </p:nvPicPr>
+        <p:blipFill>
+          <a:blip r:embed="rId2"/>
+          <a:stretch>
+            <a:fillRect/>
+          </a:stretch>
+        </p:blipFill>
+        <p:spPr>
+          <a:xfrm>
+            <a:off x="11506200" y="6298787"/>
+            <a:ext cx="638986" cy="479239"/>
+          </a:xfrm>
+          <a:prstGeom prst="rect">
+            <a:avLst/>
+          </a:prstGeom>
+        </p:spPr>
+      </p:pic>
     </p:spTree>
     <p:extLst>
       <p:ext uri="{BB962C8B-B14F-4D97-AF65-F5344CB8AC3E}">
@@ -9338,6 +9654,36 @@
           </a:p>
         </p:txBody>
       </p:sp>
+      <p:pic>
+        <p:nvPicPr>
+          <p:cNvPr id="12" name="Grafik 11">
+            <a:extLst>
+              <a:ext uri="{FF2B5EF4-FFF2-40B4-BE49-F238E27FC236}">
+                <a16:creationId xmlns:a16="http://schemas.microsoft.com/office/drawing/2014/main" id="{D374F1B6-E630-45DE-9A8E-85DE16DA7DB3}"/>
+              </a:ext>
+            </a:extLst>
+          </p:cNvPr>
+          <p:cNvPicPr>
+            <a:picLocks noChangeAspect="1"/>
+          </p:cNvPicPr>
+          <p:nvPr/>
+        </p:nvPicPr>
+        <p:blipFill>
+          <a:blip r:embed="rId4"/>
+          <a:stretch>
+            <a:fillRect/>
+          </a:stretch>
+        </p:blipFill>
+        <p:spPr>
+          <a:xfrm>
+            <a:off x="11506200" y="6298787"/>
+            <a:ext cx="638986" cy="479239"/>
+          </a:xfrm>
+          <a:prstGeom prst="rect">
+            <a:avLst/>
+          </a:prstGeom>
+        </p:spPr>
+      </p:pic>
     </p:spTree>
     <p:extLst>
       <p:ext uri="{BB962C8B-B14F-4D97-AF65-F5344CB8AC3E}">
@@ -9512,6 +9858,36 @@
           </a:p>
         </p:txBody>
       </p:sp>
+      <p:pic>
+        <p:nvPicPr>
+          <p:cNvPr id="8" name="Grafik 7">
+            <a:extLst>
+              <a:ext uri="{FF2B5EF4-FFF2-40B4-BE49-F238E27FC236}">
+                <a16:creationId xmlns:a16="http://schemas.microsoft.com/office/drawing/2014/main" id="{E057A962-87EC-4165-A9C2-F540821830F6}"/>
+              </a:ext>
+            </a:extLst>
+          </p:cNvPr>
+          <p:cNvPicPr>
+            <a:picLocks noChangeAspect="1"/>
+          </p:cNvPicPr>
+          <p:nvPr/>
+        </p:nvPicPr>
+        <p:blipFill>
+          <a:blip r:embed="rId2"/>
+          <a:stretch>
+            <a:fillRect/>
+          </a:stretch>
+        </p:blipFill>
+        <p:spPr>
+          <a:xfrm>
+            <a:off x="11506200" y="6298787"/>
+            <a:ext cx="638986" cy="479239"/>
+          </a:xfrm>
+          <a:prstGeom prst="rect">
+            <a:avLst/>
+          </a:prstGeom>
+        </p:spPr>
+      </p:pic>
     </p:spTree>
     <p:extLst>
       <p:ext uri="{BB962C8B-B14F-4D97-AF65-F5344CB8AC3E}">
@@ -10056,6 +10432,140 @@
           </a:p>
         </p:txBody>
       </p:sp>
+      <p:pic>
+        <p:nvPicPr>
+          <p:cNvPr id="17" name="Grafik 16">
+            <a:extLst>
+              <a:ext uri="{FF2B5EF4-FFF2-40B4-BE49-F238E27FC236}">
+                <a16:creationId xmlns:a16="http://schemas.microsoft.com/office/drawing/2014/main" id="{205B7ADF-2730-40C0-A1D7-D541C77BD8DE}"/>
+              </a:ext>
+            </a:extLst>
+          </p:cNvPr>
+          <p:cNvPicPr>
+            <a:picLocks noChangeAspect="1"/>
+          </p:cNvPicPr>
+          <p:nvPr/>
+        </p:nvPicPr>
+        <p:blipFill>
+          <a:blip r:embed="rId4"/>
+          <a:stretch>
+            <a:fillRect/>
+          </a:stretch>
+        </p:blipFill>
+        <p:spPr>
+          <a:xfrm>
+            <a:off x="11506200" y="6298787"/>
+            <a:ext cx="638986" cy="479239"/>
+          </a:xfrm>
+          <a:prstGeom prst="rect">
+            <a:avLst/>
+          </a:prstGeom>
+        </p:spPr>
+      </p:pic>
+      <p:sp>
+        <p:nvSpPr>
+          <p:cNvPr id="18" name="Rechteck 17">
+            <a:extLst>
+              <a:ext uri="{FF2B5EF4-FFF2-40B4-BE49-F238E27FC236}">
+                <a16:creationId xmlns:a16="http://schemas.microsoft.com/office/drawing/2014/main" id="{EC9FD27F-FDFC-45AC-97EF-52067E37A7B9}"/>
+              </a:ext>
+            </a:extLst>
+          </p:cNvPr>
+          <p:cNvSpPr/>
+          <p:nvPr/>
+        </p:nvSpPr>
+        <p:spPr>
+          <a:xfrm>
+            <a:off x="5046784" y="2201333"/>
+            <a:ext cx="2382716" cy="1807959"/>
+          </a:xfrm>
+          <a:prstGeom prst="rect">
+            <a:avLst/>
+          </a:prstGeom>
+          <a:noFill/>
+          <a:ln w="38100">
+            <a:solidFill>
+              <a:schemeClr val="accent1"/>
+            </a:solidFill>
+          </a:ln>
+        </p:spPr>
+        <p:style>
+          <a:lnRef idx="2">
+            <a:schemeClr val="accent1">
+              <a:shade val="50000"/>
+            </a:schemeClr>
+          </a:lnRef>
+          <a:fillRef idx="1">
+            <a:schemeClr val="accent1"/>
+          </a:fillRef>
+          <a:effectRef idx="0">
+            <a:schemeClr val="accent1"/>
+          </a:effectRef>
+          <a:fontRef idx="minor">
+            <a:schemeClr val="lt1"/>
+          </a:fontRef>
+        </p:style>
+        <p:txBody>
+          <a:bodyPr rtlCol="0" anchor="ctr"/>
+          <a:lstStyle/>
+          <a:p>
+            <a:pPr algn="ctr"/>
+            <a:endParaRPr lang="de-DE"/>
+          </a:p>
+        </p:txBody>
+      </p:sp>
+      <p:sp>
+        <p:nvSpPr>
+          <p:cNvPr id="19" name="Rechteck 18">
+            <a:extLst>
+              <a:ext uri="{FF2B5EF4-FFF2-40B4-BE49-F238E27FC236}">
+                <a16:creationId xmlns:a16="http://schemas.microsoft.com/office/drawing/2014/main" id="{7536EEBA-99EB-411B-AB42-47EC70686D8D}"/>
+              </a:ext>
+            </a:extLst>
+          </p:cNvPr>
+          <p:cNvSpPr/>
+          <p:nvPr/>
+        </p:nvSpPr>
+        <p:spPr>
+          <a:xfrm>
+            <a:off x="5178669" y="2904067"/>
+            <a:ext cx="2083778" cy="1053974"/>
+          </a:xfrm>
+          <a:prstGeom prst="rect">
+            <a:avLst/>
+          </a:prstGeom>
+          <a:noFill/>
+          <a:ln w="38100">
+            <a:solidFill>
+              <a:schemeClr val="accent1"/>
+            </a:solidFill>
+          </a:ln>
+        </p:spPr>
+        <p:style>
+          <a:lnRef idx="2">
+            <a:schemeClr val="accent1">
+              <a:shade val="50000"/>
+            </a:schemeClr>
+          </a:lnRef>
+          <a:fillRef idx="1">
+            <a:schemeClr val="accent1"/>
+          </a:fillRef>
+          <a:effectRef idx="0">
+            <a:schemeClr val="accent1"/>
+          </a:effectRef>
+          <a:fontRef idx="minor">
+            <a:schemeClr val="lt1"/>
+          </a:fontRef>
+        </p:style>
+        <p:txBody>
+          <a:bodyPr rtlCol="0" anchor="ctr"/>
+          <a:lstStyle/>
+          <a:p>
+            <a:pPr algn="ctr"/>
+            <a:endParaRPr lang="de-DE"/>
+          </a:p>
+        </p:txBody>
+      </p:sp>
     </p:spTree>
     <p:extLst>
       <p:ext uri="{BB962C8B-B14F-4D97-AF65-F5344CB8AC3E}">
@@ -10762,6 +11272,36 @@
           </a:p>
         </p:txBody>
       </p:sp>
+      <p:pic>
+        <p:nvPicPr>
+          <p:cNvPr id="22" name="Grafik 21">
+            <a:extLst>
+              <a:ext uri="{FF2B5EF4-FFF2-40B4-BE49-F238E27FC236}">
+                <a16:creationId xmlns:a16="http://schemas.microsoft.com/office/drawing/2014/main" id="{371DAE2D-F950-4178-858D-649DCE29C4F6}"/>
+              </a:ext>
+            </a:extLst>
+          </p:cNvPr>
+          <p:cNvPicPr>
+            <a:picLocks noChangeAspect="1"/>
+          </p:cNvPicPr>
+          <p:nvPr/>
+        </p:nvPicPr>
+        <p:blipFill>
+          <a:blip r:embed="rId4"/>
+          <a:stretch>
+            <a:fillRect/>
+          </a:stretch>
+        </p:blipFill>
+        <p:spPr>
+          <a:xfrm>
+            <a:off x="11506200" y="6298787"/>
+            <a:ext cx="638986" cy="479239"/>
+          </a:xfrm>
+          <a:prstGeom prst="rect">
+            <a:avLst/>
+          </a:prstGeom>
+        </p:spPr>
+      </p:pic>
     </p:spTree>
     <p:extLst>
       <p:ext uri="{BB962C8B-B14F-4D97-AF65-F5344CB8AC3E}">
@@ -11498,6 +12038,36 @@
           </a:p>
         </p:txBody>
       </p:sp>
+      <p:pic>
+        <p:nvPicPr>
+          <p:cNvPr id="21" name="Grafik 20">
+            <a:extLst>
+              <a:ext uri="{FF2B5EF4-FFF2-40B4-BE49-F238E27FC236}">
+                <a16:creationId xmlns:a16="http://schemas.microsoft.com/office/drawing/2014/main" id="{E3DEB3DE-4B96-4B6A-94BA-2F21A43A351C}"/>
+              </a:ext>
+            </a:extLst>
+          </p:cNvPr>
+          <p:cNvPicPr>
+            <a:picLocks noChangeAspect="1"/>
+          </p:cNvPicPr>
+          <p:nvPr/>
+        </p:nvPicPr>
+        <p:blipFill>
+          <a:blip r:embed="rId4"/>
+          <a:stretch>
+            <a:fillRect/>
+          </a:stretch>
+        </p:blipFill>
+        <p:spPr>
+          <a:xfrm>
+            <a:off x="11506200" y="6298787"/>
+            <a:ext cx="638986" cy="479239"/>
+          </a:xfrm>
+          <a:prstGeom prst="rect">
+            <a:avLst/>
+          </a:prstGeom>
+        </p:spPr>
+      </p:pic>
     </p:spTree>
     <p:extLst>
       <p:ext uri="{BB962C8B-B14F-4D97-AF65-F5344CB8AC3E}">
